--- a/src/test/resources/Readme.pptx
+++ b/src/test/resources/Readme.pptx
@@ -11,12 +11,13 @@
     <p:sldId id="259" r:id="rId5"/>
     <p:sldId id="260" r:id="rId6"/>
     <p:sldId id="261" r:id="rId7"/>
-    <p:sldId id="262" r:id="rId8"/>
-    <p:sldId id="263" r:id="rId9"/>
-    <p:sldId id="264" r:id="rId10"/>
-    <p:sldId id="265" r:id="rId11"/>
-    <p:sldId id="266" r:id="rId12"/>
-    <p:sldId id="267" r:id="rId13"/>
+    <p:sldId id="266" r:id="rId8"/>
+    <p:sldId id="267" r:id="rId9"/>
+    <p:sldId id="268" r:id="rId10"/>
+    <p:sldId id="269" r:id="rId11"/>
+    <p:sldId id="270" r:id="rId12"/>
+    <p:sldId id="271" r:id="rId13"/>
+    <p:sldId id="272" r:id="rId14"/>
   </p:sldIdLst>
   <p:sldSz cx="12192000" cy="6858000"/>
   <p:notesSz cx="6858000" cy="9144000"/>
@@ -115,6 +116,11 @@
       </a:defRPr>
     </a:lvl9pPr>
   </p:defaultTextStyle>
+  <p:extLst>
+    <p:ext uri="{EFAFB233-063F-42B5-8137-9DF3F51BA10A}">
+      <p15:sldGuideLst xmlns:p15="http://schemas.microsoft.com/office/powerpoint/2012/main"/>
+    </p:ext>
+  </p:extLst>
 </p:presentation>
 </file>
 
@@ -267,7 +273,7 @@
           <a:p>
             <a:fld id="{A1BE3C1B-B84A-4F68-94D1-3BEC9E01F1F4}" type="datetimeFigureOut">
               <a:rPr lang="en-US" smtClean="0"/>
-              <a:t>9/26/2021</a:t>
+              <a:t>9/30/2021</a:t>
             </a:fld>
             <a:endParaRPr lang="en-US"/>
           </a:p>
@@ -467,7 +473,7 @@
           <a:p>
             <a:fld id="{A1BE3C1B-B84A-4F68-94D1-3BEC9E01F1F4}" type="datetimeFigureOut">
               <a:rPr lang="en-US" smtClean="0"/>
-              <a:t>9/26/2021</a:t>
+              <a:t>9/30/2021</a:t>
             </a:fld>
             <a:endParaRPr lang="en-US"/>
           </a:p>
@@ -677,7 +683,7 @@
           <a:p>
             <a:fld id="{A1BE3C1B-B84A-4F68-94D1-3BEC9E01F1F4}" type="datetimeFigureOut">
               <a:rPr lang="en-US" smtClean="0"/>
-              <a:t>9/26/2021</a:t>
+              <a:t>9/30/2021</a:t>
             </a:fld>
             <a:endParaRPr lang="en-US"/>
           </a:p>
@@ -877,7 +883,7 @@
           <a:p>
             <a:fld id="{A1BE3C1B-B84A-4F68-94D1-3BEC9E01F1F4}" type="datetimeFigureOut">
               <a:rPr lang="en-US" smtClean="0"/>
-              <a:t>9/26/2021</a:t>
+              <a:t>9/30/2021</a:t>
             </a:fld>
             <a:endParaRPr lang="en-US"/>
           </a:p>
@@ -1153,7 +1159,7 @@
           <a:p>
             <a:fld id="{A1BE3C1B-B84A-4F68-94D1-3BEC9E01F1F4}" type="datetimeFigureOut">
               <a:rPr lang="en-US" smtClean="0"/>
-              <a:t>9/26/2021</a:t>
+              <a:t>9/30/2021</a:t>
             </a:fld>
             <a:endParaRPr lang="en-US"/>
           </a:p>
@@ -1421,7 +1427,7 @@
           <a:p>
             <a:fld id="{A1BE3C1B-B84A-4F68-94D1-3BEC9E01F1F4}" type="datetimeFigureOut">
               <a:rPr lang="en-US" smtClean="0"/>
-              <a:t>9/26/2021</a:t>
+              <a:t>9/30/2021</a:t>
             </a:fld>
             <a:endParaRPr lang="en-US"/>
           </a:p>
@@ -1836,7 +1842,7 @@
           <a:p>
             <a:fld id="{A1BE3C1B-B84A-4F68-94D1-3BEC9E01F1F4}" type="datetimeFigureOut">
               <a:rPr lang="en-US" smtClean="0"/>
-              <a:t>9/26/2021</a:t>
+              <a:t>9/30/2021</a:t>
             </a:fld>
             <a:endParaRPr lang="en-US"/>
           </a:p>
@@ -1978,7 +1984,7 @@
           <a:p>
             <a:fld id="{A1BE3C1B-B84A-4F68-94D1-3BEC9E01F1F4}" type="datetimeFigureOut">
               <a:rPr lang="en-US" smtClean="0"/>
-              <a:t>9/26/2021</a:t>
+              <a:t>9/30/2021</a:t>
             </a:fld>
             <a:endParaRPr lang="en-US"/>
           </a:p>
@@ -2091,7 +2097,7 @@
           <a:p>
             <a:fld id="{A1BE3C1B-B84A-4F68-94D1-3BEC9E01F1F4}" type="datetimeFigureOut">
               <a:rPr lang="en-US" smtClean="0"/>
-              <a:t>9/26/2021</a:t>
+              <a:t>9/30/2021</a:t>
             </a:fld>
             <a:endParaRPr lang="en-US"/>
           </a:p>
@@ -2404,7 +2410,7 @@
           <a:p>
             <a:fld id="{A1BE3C1B-B84A-4F68-94D1-3BEC9E01F1F4}" type="datetimeFigureOut">
               <a:rPr lang="en-US" smtClean="0"/>
-              <a:t>9/26/2021</a:t>
+              <a:t>9/30/2021</a:t>
             </a:fld>
             <a:endParaRPr lang="en-US"/>
           </a:p>
@@ -2693,7 +2699,7 @@
           <a:p>
             <a:fld id="{A1BE3C1B-B84A-4F68-94D1-3BEC9E01F1F4}" type="datetimeFigureOut">
               <a:rPr lang="en-US" smtClean="0"/>
-              <a:t>9/26/2021</a:t>
+              <a:t>9/30/2021</a:t>
             </a:fld>
             <a:endParaRPr lang="en-US"/>
           </a:p>
@@ -2936,7 +2942,7 @@
           <a:p>
             <a:fld id="{A1BE3C1B-B84A-4F68-94D1-3BEC9E01F1F4}" type="datetimeFigureOut">
               <a:rPr lang="en-US" smtClean="0"/>
-              <a:t>9/26/2021</a:t>
+              <a:t>9/30/2021</a:t>
             </a:fld>
             <a:endParaRPr lang="en-US"/>
           </a:p>
@@ -3424,7 +3430,7 @@
           <p:cNvPr id="3" name="Resim 2" descr="metin içeren bir resim&#10;&#10;Açıklama otomatik olarak oluşturuldu">
             <a:extLst>
               <a:ext uri="{FF2B5EF4-FFF2-40B4-BE49-F238E27FC236}">
-                <a16:creationId xmlns:a16="http://schemas.microsoft.com/office/drawing/2014/main" id="{D9D5A0A9-CF80-4C09-BE9A-8220BE398FC1}"/>
+                <a16:creationId xmlns:a16="http://schemas.microsoft.com/office/drawing/2014/main" id="{A28FF0B1-271E-4A96-BEF7-B6133733AE1E}"/>
               </a:ext>
             </a:extLst>
           </p:cNvPr>
@@ -3447,8 +3453,8 @@
         </p:blipFill>
         <p:spPr>
           <a:xfrm>
-            <a:off x="0" y="101600"/>
-            <a:ext cx="12192000" cy="6654800"/>
+            <a:off x="0" y="367862"/>
+            <a:ext cx="12192000" cy="6122275"/>
           </a:xfrm>
           <a:prstGeom prst="rect">
             <a:avLst/>
@@ -3458,7 +3464,7 @@
     </p:spTree>
     <p:extLst>
       <p:ext uri="{BB962C8B-B14F-4D97-AF65-F5344CB8AC3E}">
-        <p14:creationId xmlns:p14="http://schemas.microsoft.com/office/powerpoint/2010/main" val="2023517514"/>
+        <p14:creationId xmlns:p14="http://schemas.microsoft.com/office/powerpoint/2010/main" val="3804766755"/>
       </p:ext>
     </p:extLst>
   </p:cSld>
@@ -3490,7 +3496,7 @@
           <p:cNvPr id="3" name="Resim 2">
             <a:extLst>
               <a:ext uri="{FF2B5EF4-FFF2-40B4-BE49-F238E27FC236}">
-                <a16:creationId xmlns:a16="http://schemas.microsoft.com/office/drawing/2014/main" id="{90E1EBFD-58B6-4936-88B8-76F174EE891E}"/>
+                <a16:creationId xmlns:a16="http://schemas.microsoft.com/office/drawing/2014/main" id="{B81C8007-D94F-4978-9901-E59081B2BF16}"/>
               </a:ext>
             </a:extLst>
           </p:cNvPr>
@@ -3513,8 +3519,8 @@
         </p:blipFill>
         <p:spPr>
           <a:xfrm>
-            <a:off x="0" y="101600"/>
-            <a:ext cx="12192000" cy="6654800"/>
+            <a:off x="1572566" y="0"/>
+            <a:ext cx="9046868" cy="6858000"/>
           </a:xfrm>
           <a:prstGeom prst="rect">
             <a:avLst/>
@@ -3524,7 +3530,7 @@
     </p:spTree>
     <p:extLst>
       <p:ext uri="{BB962C8B-B14F-4D97-AF65-F5344CB8AC3E}">
-        <p14:creationId xmlns:p14="http://schemas.microsoft.com/office/powerpoint/2010/main" val="1759994252"/>
+        <p14:creationId xmlns:p14="http://schemas.microsoft.com/office/powerpoint/2010/main" val="823064849"/>
       </p:ext>
     </p:extLst>
   </p:cSld>
@@ -3553,10 +3559,10 @@
       </p:grpSpPr>
       <p:pic>
         <p:nvPicPr>
-          <p:cNvPr id="3" name="Resim 2" descr="metin içeren bir resim&#10;&#10;Açıklama otomatik olarak oluşturuldu">
-            <a:extLst>
-              <a:ext uri="{FF2B5EF4-FFF2-40B4-BE49-F238E27FC236}">
-                <a16:creationId xmlns:a16="http://schemas.microsoft.com/office/drawing/2014/main" id="{83600B65-096D-45C2-950C-0F3A974836B5}"/>
+          <p:cNvPr id="3" name="Resim 2">
+            <a:extLst>
+              <a:ext uri="{FF2B5EF4-FFF2-40B4-BE49-F238E27FC236}">
+                <a16:creationId xmlns:a16="http://schemas.microsoft.com/office/drawing/2014/main" id="{0D8F348B-7BBB-4F50-9368-96B5E4DE0AC1}"/>
               </a:ext>
             </a:extLst>
           </p:cNvPr>
@@ -3579,8 +3585,8 @@
         </p:blipFill>
         <p:spPr>
           <a:xfrm>
-            <a:off x="0" y="101600"/>
-            <a:ext cx="12192000" cy="6654800"/>
+            <a:off x="1936012" y="0"/>
+            <a:ext cx="8319976" cy="6858000"/>
           </a:xfrm>
           <a:prstGeom prst="rect">
             <a:avLst/>
@@ -3590,7 +3596,73 @@
     </p:spTree>
     <p:extLst>
       <p:ext uri="{BB962C8B-B14F-4D97-AF65-F5344CB8AC3E}">
-        <p14:creationId xmlns:p14="http://schemas.microsoft.com/office/powerpoint/2010/main" val="3032338793"/>
+        <p14:creationId xmlns:p14="http://schemas.microsoft.com/office/powerpoint/2010/main" val="3911955757"/>
+      </p:ext>
+    </p:extLst>
+  </p:cSld>
+  <p:clrMapOvr>
+    <a:masterClrMapping/>
+  </p:clrMapOvr>
+</p:sld>
+</file>
+
+<file path=ppt/slides/slide13.xml><?xml version="1.0" encoding="utf-8"?>
+<p:sld xmlns:a="http://schemas.openxmlformats.org/drawingml/2006/main" xmlns:r="http://schemas.openxmlformats.org/officeDocument/2006/relationships" xmlns:p="http://schemas.openxmlformats.org/presentationml/2006/main">
+  <p:cSld>
+    <p:spTree>
+      <p:nvGrpSpPr>
+        <p:cNvPr id="1" name=""/>
+        <p:cNvGrpSpPr/>
+        <p:nvPr/>
+      </p:nvGrpSpPr>
+      <p:grpSpPr>
+        <a:xfrm>
+          <a:off x="0" y="0"/>
+          <a:ext cx="0" cy="0"/>
+          <a:chOff x="0" y="0"/>
+          <a:chExt cx="0" cy="0"/>
+        </a:xfrm>
+      </p:grpSpPr>
+      <p:pic>
+        <p:nvPicPr>
+          <p:cNvPr id="3" name="Resim 2" descr="metin içeren bir resim&#10;&#10;Açıklama otomatik olarak oluşturuldu">
+            <a:extLst>
+              <a:ext uri="{FF2B5EF4-FFF2-40B4-BE49-F238E27FC236}">
+                <a16:creationId xmlns:a16="http://schemas.microsoft.com/office/drawing/2014/main" id="{00655E83-9706-4625-9460-18FB63A37D78}"/>
+              </a:ext>
+            </a:extLst>
+          </p:cNvPr>
+          <p:cNvPicPr>
+            <a:picLocks noChangeAspect="1"/>
+          </p:cNvPicPr>
+          <p:nvPr/>
+        </p:nvPicPr>
+        <p:blipFill>
+          <a:blip r:embed="rId2">
+            <a:extLst>
+              <a:ext uri="{28A0092B-C50C-407E-A947-70E740481C1C}">
+                <a14:useLocalDpi xmlns:a14="http://schemas.microsoft.com/office/drawing/2010/main" val="0"/>
+              </a:ext>
+            </a:extLst>
+          </a:blip>
+          <a:stretch>
+            <a:fillRect/>
+          </a:stretch>
+        </p:blipFill>
+        <p:spPr>
+          <a:xfrm>
+            <a:off x="2121003" y="0"/>
+            <a:ext cx="7949994" cy="6858000"/>
+          </a:xfrm>
+          <a:prstGeom prst="rect">
+            <a:avLst/>
+          </a:prstGeom>
+        </p:spPr>
+      </p:pic>
+    </p:spTree>
+    <p:extLst>
+      <p:ext uri="{BB962C8B-B14F-4D97-AF65-F5344CB8AC3E}">
+        <p14:creationId xmlns:p14="http://schemas.microsoft.com/office/powerpoint/2010/main" val="753192510"/>
       </p:ext>
     </p:extLst>
   </p:cSld>
@@ -3949,10 +4021,10 @@
       </p:grpSpPr>
       <p:pic>
         <p:nvPicPr>
-          <p:cNvPr id="3" name="Resim 2" descr="metin içeren bir resim&#10;&#10;Açıklama otomatik olarak oluşturuldu">
-            <a:extLst>
-              <a:ext uri="{FF2B5EF4-FFF2-40B4-BE49-F238E27FC236}">
-                <a16:creationId xmlns:a16="http://schemas.microsoft.com/office/drawing/2014/main" id="{922E6A23-DC65-4510-AA33-BA0CF39EEA0B}"/>
+          <p:cNvPr id="8" name="Resim 7" descr="metin içeren bir resim&#10;&#10;Açıklama otomatik olarak oluşturuldu">
+            <a:extLst>
+              <a:ext uri="{FF2B5EF4-FFF2-40B4-BE49-F238E27FC236}">
+                <a16:creationId xmlns:a16="http://schemas.microsoft.com/office/drawing/2014/main" id="{9F14ACE5-5673-4FAA-86B4-B6D7FA79DF5D}"/>
               </a:ext>
             </a:extLst>
           </p:cNvPr>
@@ -3975,8 +4047,8 @@
         </p:blipFill>
         <p:spPr>
           <a:xfrm>
-            <a:off x="0" y="101600"/>
-            <a:ext cx="12192000" cy="6654800"/>
+            <a:off x="0" y="235857"/>
+            <a:ext cx="12192000" cy="6386286"/>
           </a:xfrm>
           <a:prstGeom prst="rect">
             <a:avLst/>
@@ -3986,7 +4058,7 @@
     </p:spTree>
     <p:extLst>
       <p:ext uri="{BB962C8B-B14F-4D97-AF65-F5344CB8AC3E}">
-        <p14:creationId xmlns:p14="http://schemas.microsoft.com/office/powerpoint/2010/main" val="1348923550"/>
+        <p14:creationId xmlns:p14="http://schemas.microsoft.com/office/powerpoint/2010/main" val="748186039"/>
       </p:ext>
     </p:extLst>
   </p:cSld>
@@ -4015,10 +4087,10 @@
       </p:grpSpPr>
       <p:pic>
         <p:nvPicPr>
-          <p:cNvPr id="3" name="Resim 2" descr="metin içeren bir resim&#10;&#10;Açıklama otomatik olarak oluşturuldu">
-            <a:extLst>
-              <a:ext uri="{FF2B5EF4-FFF2-40B4-BE49-F238E27FC236}">
-                <a16:creationId xmlns:a16="http://schemas.microsoft.com/office/drawing/2014/main" id="{FE7A0EAE-0AE0-42B8-82D5-61DD35CB663D}"/>
+          <p:cNvPr id="3" name="Resim 2" descr="metin, ekran görüntüsü, ekran, siyah içeren bir resim&#10;&#10;Açıklama otomatik olarak oluşturuldu">
+            <a:extLst>
+              <a:ext uri="{FF2B5EF4-FFF2-40B4-BE49-F238E27FC236}">
+                <a16:creationId xmlns:a16="http://schemas.microsoft.com/office/drawing/2014/main" id="{27DD5F1E-D091-4C1C-9679-E25E5CE20634}"/>
               </a:ext>
             </a:extLst>
           </p:cNvPr>
@@ -4041,8 +4113,8 @@
         </p:blipFill>
         <p:spPr>
           <a:xfrm>
-            <a:off x="0" y="101600"/>
-            <a:ext cx="12192000" cy="6654800"/>
+            <a:off x="0" y="330089"/>
+            <a:ext cx="12192000" cy="6197822"/>
           </a:xfrm>
           <a:prstGeom prst="rect">
             <a:avLst/>
@@ -4052,7 +4124,7 @@
     </p:spTree>
     <p:extLst>
       <p:ext uri="{BB962C8B-B14F-4D97-AF65-F5344CB8AC3E}">
-        <p14:creationId xmlns:p14="http://schemas.microsoft.com/office/powerpoint/2010/main" val="1358368504"/>
+        <p14:creationId xmlns:p14="http://schemas.microsoft.com/office/powerpoint/2010/main" val="1895642753"/>
       </p:ext>
     </p:extLst>
   </p:cSld>
@@ -4081,10 +4153,10 @@
       </p:grpSpPr>
       <p:pic>
         <p:nvPicPr>
-          <p:cNvPr id="3" name="Resim 2" descr="metin içeren bir resim&#10;&#10;Açıklama otomatik olarak oluşturuldu">
-            <a:extLst>
-              <a:ext uri="{FF2B5EF4-FFF2-40B4-BE49-F238E27FC236}">
-                <a16:creationId xmlns:a16="http://schemas.microsoft.com/office/drawing/2014/main" id="{BCEC2A9D-09E3-4FD1-9C18-BAC9075352E8}"/>
+          <p:cNvPr id="3" name="Resim 2" descr="metin, ekran, ekran görüntüsü içeren bir resim&#10;&#10;Açıklama otomatik olarak oluşturuldu">
+            <a:extLst>
+              <a:ext uri="{FF2B5EF4-FFF2-40B4-BE49-F238E27FC236}">
+                <a16:creationId xmlns:a16="http://schemas.microsoft.com/office/drawing/2014/main" id="{6F1BF5C5-8131-4B29-991B-144C3397FB48}"/>
               </a:ext>
             </a:extLst>
           </p:cNvPr>
@@ -4107,8 +4179,8 @@
         </p:blipFill>
         <p:spPr>
           <a:xfrm>
-            <a:off x="0" y="101600"/>
-            <a:ext cx="12192000" cy="6654800"/>
+            <a:off x="0" y="60527"/>
+            <a:ext cx="12192000" cy="6736945"/>
           </a:xfrm>
           <a:prstGeom prst="rect">
             <a:avLst/>
@@ -4118,7 +4190,7 @@
     </p:spTree>
     <p:extLst>
       <p:ext uri="{BB962C8B-B14F-4D97-AF65-F5344CB8AC3E}">
-        <p14:creationId xmlns:p14="http://schemas.microsoft.com/office/powerpoint/2010/main" val="1030298539"/>
+        <p14:creationId xmlns:p14="http://schemas.microsoft.com/office/powerpoint/2010/main" val="2914582085"/>
       </p:ext>
     </p:extLst>
   </p:cSld>
